--- a/Presentation.pptx
+++ b/Presentation.pptx
@@ -4,14 +4,18 @@
   <p:sldMasterIdLst>
     <p:sldMasterId id="2147483669" r:id="rId1"/>
   </p:sldMasterIdLst>
+  <p:notesMasterIdLst>
+    <p:notesMasterId r:id="rId10"/>
+  </p:notesMasterIdLst>
   <p:sldIdLst>
     <p:sldId id="256" r:id="rId2"/>
     <p:sldId id="258" r:id="rId3"/>
-    <p:sldId id="262" r:id="rId4"/>
-    <p:sldId id="260" r:id="rId5"/>
-    <p:sldId id="263" r:id="rId6"/>
-    <p:sldId id="264" r:id="rId7"/>
-    <p:sldId id="261" r:id="rId8"/>
+    <p:sldId id="265" r:id="rId4"/>
+    <p:sldId id="262" r:id="rId5"/>
+    <p:sldId id="260" r:id="rId6"/>
+    <p:sldId id="263" r:id="rId7"/>
+    <p:sldId id="264" r:id="rId8"/>
+    <p:sldId id="261" r:id="rId9"/>
   </p:sldIdLst>
   <p:sldSz cx="12192000" cy="6858000"/>
   <p:notesSz cx="6858000" cy="9144000"/>
@@ -110,7 +114,449 @@
       </a:defRPr>
     </a:lvl9pPr>
   </p:defaultTextStyle>
+  <p:extLst>
+    <p:ext uri="{EFAFB233-063F-42B5-8137-9DF3F51BA10A}">
+      <p15:sldGuideLst xmlns:p15="http://schemas.microsoft.com/office/powerpoint/2012/main"/>
+    </p:ext>
+  </p:extLst>
 </p:presentation>
+</file>
+
+<file path=ppt/notesMasters/notesMaster1.xml><?xml version="1.0" encoding="utf-8"?>
+<p:notesMaster xmlns:a="http://schemas.openxmlformats.org/drawingml/2006/main" xmlns:r="http://schemas.openxmlformats.org/officeDocument/2006/relationships" xmlns:p="http://schemas.openxmlformats.org/presentationml/2006/main">
+  <p:cSld>
+    <p:bg>
+      <p:bgRef idx="1001">
+        <a:schemeClr val="bg1"/>
+      </p:bgRef>
+    </p:bg>
+    <p:spTree>
+      <p:nvGrpSpPr>
+        <p:cNvPr id="1" name=""/>
+        <p:cNvGrpSpPr/>
+        <p:nvPr/>
+      </p:nvGrpSpPr>
+      <p:grpSpPr>
+        <a:xfrm>
+          <a:off x="0" y="0"/>
+          <a:ext cx="0" cy="0"/>
+          <a:chOff x="0" y="0"/>
+          <a:chExt cx="0" cy="0"/>
+        </a:xfrm>
+      </p:grpSpPr>
+      <p:sp>
+        <p:nvSpPr>
+          <p:cNvPr id="2" name="Header Placeholder 1"/>
+          <p:cNvSpPr>
+            <a:spLocks noGrp="1"/>
+          </p:cNvSpPr>
+          <p:nvPr>
+            <p:ph type="hdr" sz="quarter"/>
+          </p:nvPr>
+        </p:nvSpPr>
+        <p:spPr>
+          <a:xfrm>
+            <a:off x="0" y="0"/>
+            <a:ext cx="2971800" cy="458788"/>
+          </a:xfrm>
+          <a:prstGeom prst="rect">
+            <a:avLst/>
+          </a:prstGeom>
+        </p:spPr>
+        <p:txBody>
+          <a:bodyPr vert="horz" lIns="91440" tIns="45720" rIns="91440" bIns="45720" rtlCol="0"/>
+          <a:lstStyle>
+            <a:lvl1pPr algn="l">
+              <a:defRPr sz="1200"/>
+            </a:lvl1pPr>
+          </a:lstStyle>
+          <a:p>
+            <a:endParaRPr lang="en-BG"/>
+          </a:p>
+        </p:txBody>
+      </p:sp>
+      <p:sp>
+        <p:nvSpPr>
+          <p:cNvPr id="3" name="Date Placeholder 2"/>
+          <p:cNvSpPr>
+            <a:spLocks noGrp="1"/>
+          </p:cNvSpPr>
+          <p:nvPr>
+            <p:ph type="dt" idx="1"/>
+          </p:nvPr>
+        </p:nvSpPr>
+        <p:spPr>
+          <a:xfrm>
+            <a:off x="3884613" y="0"/>
+            <a:ext cx="2971800" cy="458788"/>
+          </a:xfrm>
+          <a:prstGeom prst="rect">
+            <a:avLst/>
+          </a:prstGeom>
+        </p:spPr>
+        <p:txBody>
+          <a:bodyPr vert="horz" lIns="91440" tIns="45720" rIns="91440" bIns="45720" rtlCol="0"/>
+          <a:lstStyle>
+            <a:lvl1pPr algn="r">
+              <a:defRPr sz="1200"/>
+            </a:lvl1pPr>
+          </a:lstStyle>
+          <a:p>
+            <a:fld id="{C8D8C36E-A256-6A47-9114-07E298FABAB9}" type="datetimeFigureOut">
+              <a:rPr lang="en-BG" smtClean="0"/>
+              <a:t>14.08.24</a:t>
+            </a:fld>
+            <a:endParaRPr lang="en-BG"/>
+          </a:p>
+        </p:txBody>
+      </p:sp>
+      <p:sp>
+        <p:nvSpPr>
+          <p:cNvPr id="4" name="Slide Image Placeholder 3"/>
+          <p:cNvSpPr>
+            <a:spLocks noGrp="1" noRot="1" noChangeAspect="1"/>
+          </p:cNvSpPr>
+          <p:nvPr>
+            <p:ph type="sldImg" idx="2"/>
+          </p:nvPr>
+        </p:nvSpPr>
+        <p:spPr>
+          <a:xfrm>
+            <a:off x="685800" y="1143000"/>
+            <a:ext cx="5486400" cy="3086100"/>
+          </a:xfrm>
+          <a:prstGeom prst="rect">
+            <a:avLst/>
+          </a:prstGeom>
+          <a:noFill/>
+          <a:ln w="12700">
+            <a:solidFill>
+              <a:prstClr val="black"/>
+            </a:solidFill>
+          </a:ln>
+        </p:spPr>
+        <p:txBody>
+          <a:bodyPr vert="horz" lIns="91440" tIns="45720" rIns="91440" bIns="45720" rtlCol="0" anchor="ctr"/>
+          <a:lstStyle/>
+          <a:p>
+            <a:endParaRPr lang="en-BG"/>
+          </a:p>
+        </p:txBody>
+      </p:sp>
+      <p:sp>
+        <p:nvSpPr>
+          <p:cNvPr id="5" name="Notes Placeholder 4"/>
+          <p:cNvSpPr>
+            <a:spLocks noGrp="1"/>
+          </p:cNvSpPr>
+          <p:nvPr>
+            <p:ph type="body" sz="quarter" idx="3"/>
+          </p:nvPr>
+        </p:nvSpPr>
+        <p:spPr>
+          <a:xfrm>
+            <a:off x="685800" y="4400550"/>
+            <a:ext cx="5486400" cy="3600450"/>
+          </a:xfrm>
+          <a:prstGeom prst="rect">
+            <a:avLst/>
+          </a:prstGeom>
+        </p:spPr>
+        <p:txBody>
+          <a:bodyPr vert="horz" lIns="91440" tIns="45720" rIns="91440" bIns="45720" rtlCol="0"/>
+          <a:lstStyle/>
+          <a:p>
+            <a:pPr lvl="0"/>
+            <a:r>
+              <a:rPr lang="en-GB"/>
+              <a:t>Click to edit Master text styles</a:t>
+            </a:r>
+          </a:p>
+          <a:p>
+            <a:pPr lvl="1"/>
+            <a:r>
+              <a:rPr lang="en-GB"/>
+              <a:t>Second level</a:t>
+            </a:r>
+          </a:p>
+          <a:p>
+            <a:pPr lvl="2"/>
+            <a:r>
+              <a:rPr lang="en-GB"/>
+              <a:t>Third level</a:t>
+            </a:r>
+          </a:p>
+          <a:p>
+            <a:pPr lvl="3"/>
+            <a:r>
+              <a:rPr lang="en-GB"/>
+              <a:t>Fourth level</a:t>
+            </a:r>
+          </a:p>
+          <a:p>
+            <a:pPr lvl="4"/>
+            <a:r>
+              <a:rPr lang="en-GB"/>
+              <a:t>Fifth level</a:t>
+            </a:r>
+            <a:endParaRPr lang="en-BG"/>
+          </a:p>
+        </p:txBody>
+      </p:sp>
+      <p:sp>
+        <p:nvSpPr>
+          <p:cNvPr id="6" name="Footer Placeholder 5"/>
+          <p:cNvSpPr>
+            <a:spLocks noGrp="1"/>
+          </p:cNvSpPr>
+          <p:nvPr>
+            <p:ph type="ftr" sz="quarter" idx="4"/>
+          </p:nvPr>
+        </p:nvSpPr>
+        <p:spPr>
+          <a:xfrm>
+            <a:off x="0" y="8685213"/>
+            <a:ext cx="2971800" cy="458787"/>
+          </a:xfrm>
+          <a:prstGeom prst="rect">
+            <a:avLst/>
+          </a:prstGeom>
+        </p:spPr>
+        <p:txBody>
+          <a:bodyPr vert="horz" lIns="91440" tIns="45720" rIns="91440" bIns="45720" rtlCol="0" anchor="b"/>
+          <a:lstStyle>
+            <a:lvl1pPr algn="l">
+              <a:defRPr sz="1200"/>
+            </a:lvl1pPr>
+          </a:lstStyle>
+          <a:p>
+            <a:endParaRPr lang="en-BG"/>
+          </a:p>
+        </p:txBody>
+      </p:sp>
+      <p:sp>
+        <p:nvSpPr>
+          <p:cNvPr id="7" name="Slide Number Placeholder 6"/>
+          <p:cNvSpPr>
+            <a:spLocks noGrp="1"/>
+          </p:cNvSpPr>
+          <p:nvPr>
+            <p:ph type="sldNum" sz="quarter" idx="5"/>
+          </p:nvPr>
+        </p:nvSpPr>
+        <p:spPr>
+          <a:xfrm>
+            <a:off x="3884613" y="8685213"/>
+            <a:ext cx="2971800" cy="458787"/>
+          </a:xfrm>
+          <a:prstGeom prst="rect">
+            <a:avLst/>
+          </a:prstGeom>
+        </p:spPr>
+        <p:txBody>
+          <a:bodyPr vert="horz" lIns="91440" tIns="45720" rIns="91440" bIns="45720" rtlCol="0" anchor="b"/>
+          <a:lstStyle>
+            <a:lvl1pPr algn="r">
+              <a:defRPr sz="1200"/>
+            </a:lvl1pPr>
+          </a:lstStyle>
+          <a:p>
+            <a:fld id="{015BC016-C3B4-3C49-8DC4-19C33A9715DF}" type="slidenum">
+              <a:rPr lang="en-BG" smtClean="0"/>
+              <a:t>‹#›</a:t>
+            </a:fld>
+            <a:endParaRPr lang="en-BG"/>
+          </a:p>
+        </p:txBody>
+      </p:sp>
+    </p:spTree>
+    <p:extLst>
+      <p:ext uri="{BB962C8B-B14F-4D97-AF65-F5344CB8AC3E}">
+        <p14:creationId xmlns:p14="http://schemas.microsoft.com/office/powerpoint/2010/main" val="4019663832"/>
+      </p:ext>
+    </p:extLst>
+  </p:cSld>
+  <p:clrMap bg1="lt1" tx1="dk1" bg2="lt2" tx2="dk2" accent1="accent1" accent2="accent2" accent3="accent3" accent4="accent4" accent5="accent5" accent6="accent6" hlink="hlink" folHlink="folHlink"/>
+  <p:notesStyle>
+    <a:lvl1pPr marL="0" algn="l" defTabSz="914400" rtl="0" eaLnBrk="1" latinLnBrk="0" hangingPunct="1">
+      <a:defRPr sz="1200" kern="1200">
+        <a:solidFill>
+          <a:schemeClr val="tx1"/>
+        </a:solidFill>
+        <a:latin typeface="+mn-lt"/>
+        <a:ea typeface="+mn-ea"/>
+        <a:cs typeface="+mn-cs"/>
+      </a:defRPr>
+    </a:lvl1pPr>
+    <a:lvl2pPr marL="457200" algn="l" defTabSz="914400" rtl="0" eaLnBrk="1" latinLnBrk="0" hangingPunct="1">
+      <a:defRPr sz="1200" kern="1200">
+        <a:solidFill>
+          <a:schemeClr val="tx1"/>
+        </a:solidFill>
+        <a:latin typeface="+mn-lt"/>
+        <a:ea typeface="+mn-ea"/>
+        <a:cs typeface="+mn-cs"/>
+      </a:defRPr>
+    </a:lvl2pPr>
+    <a:lvl3pPr marL="914400" algn="l" defTabSz="914400" rtl="0" eaLnBrk="1" latinLnBrk="0" hangingPunct="1">
+      <a:defRPr sz="1200" kern="1200">
+        <a:solidFill>
+          <a:schemeClr val="tx1"/>
+        </a:solidFill>
+        <a:latin typeface="+mn-lt"/>
+        <a:ea typeface="+mn-ea"/>
+        <a:cs typeface="+mn-cs"/>
+      </a:defRPr>
+    </a:lvl3pPr>
+    <a:lvl4pPr marL="1371600" algn="l" defTabSz="914400" rtl="0" eaLnBrk="1" latinLnBrk="0" hangingPunct="1">
+      <a:defRPr sz="1200" kern="1200">
+        <a:solidFill>
+          <a:schemeClr val="tx1"/>
+        </a:solidFill>
+        <a:latin typeface="+mn-lt"/>
+        <a:ea typeface="+mn-ea"/>
+        <a:cs typeface="+mn-cs"/>
+      </a:defRPr>
+    </a:lvl4pPr>
+    <a:lvl5pPr marL="1828800" algn="l" defTabSz="914400" rtl="0" eaLnBrk="1" latinLnBrk="0" hangingPunct="1">
+      <a:defRPr sz="1200" kern="1200">
+        <a:solidFill>
+          <a:schemeClr val="tx1"/>
+        </a:solidFill>
+        <a:latin typeface="+mn-lt"/>
+        <a:ea typeface="+mn-ea"/>
+        <a:cs typeface="+mn-cs"/>
+      </a:defRPr>
+    </a:lvl5pPr>
+    <a:lvl6pPr marL="2286000" algn="l" defTabSz="914400" rtl="0" eaLnBrk="1" latinLnBrk="0" hangingPunct="1">
+      <a:defRPr sz="1200" kern="1200">
+        <a:solidFill>
+          <a:schemeClr val="tx1"/>
+        </a:solidFill>
+        <a:latin typeface="+mn-lt"/>
+        <a:ea typeface="+mn-ea"/>
+        <a:cs typeface="+mn-cs"/>
+      </a:defRPr>
+    </a:lvl6pPr>
+    <a:lvl7pPr marL="2743200" algn="l" defTabSz="914400" rtl="0" eaLnBrk="1" latinLnBrk="0" hangingPunct="1">
+      <a:defRPr sz="1200" kern="1200">
+        <a:solidFill>
+          <a:schemeClr val="tx1"/>
+        </a:solidFill>
+        <a:latin typeface="+mn-lt"/>
+        <a:ea typeface="+mn-ea"/>
+        <a:cs typeface="+mn-cs"/>
+      </a:defRPr>
+    </a:lvl7pPr>
+    <a:lvl8pPr marL="3200400" algn="l" defTabSz="914400" rtl="0" eaLnBrk="1" latinLnBrk="0" hangingPunct="1">
+      <a:defRPr sz="1200" kern="1200">
+        <a:solidFill>
+          <a:schemeClr val="tx1"/>
+        </a:solidFill>
+        <a:latin typeface="+mn-lt"/>
+        <a:ea typeface="+mn-ea"/>
+        <a:cs typeface="+mn-cs"/>
+      </a:defRPr>
+    </a:lvl8pPr>
+    <a:lvl9pPr marL="3657600" algn="l" defTabSz="914400" rtl="0" eaLnBrk="1" latinLnBrk="0" hangingPunct="1">
+      <a:defRPr sz="1200" kern="1200">
+        <a:solidFill>
+          <a:schemeClr val="tx1"/>
+        </a:solidFill>
+        <a:latin typeface="+mn-lt"/>
+        <a:ea typeface="+mn-ea"/>
+        <a:cs typeface="+mn-cs"/>
+      </a:defRPr>
+    </a:lvl9pPr>
+  </p:notesStyle>
+</p:notesMaster>
+</file>
+
+<file path=ppt/notesSlides/notesSlide1.xml><?xml version="1.0" encoding="utf-8"?>
+<p:notes xmlns:a="http://schemas.openxmlformats.org/drawingml/2006/main" xmlns:r="http://schemas.openxmlformats.org/officeDocument/2006/relationships" xmlns:p="http://schemas.openxmlformats.org/presentationml/2006/main">
+  <p:cSld>
+    <p:spTree>
+      <p:nvGrpSpPr>
+        <p:cNvPr id="1" name=""/>
+        <p:cNvGrpSpPr/>
+        <p:nvPr/>
+      </p:nvGrpSpPr>
+      <p:grpSpPr>
+        <a:xfrm>
+          <a:off x="0" y="0"/>
+          <a:ext cx="0" cy="0"/>
+          <a:chOff x="0" y="0"/>
+          <a:chExt cx="0" cy="0"/>
+        </a:xfrm>
+      </p:grpSpPr>
+      <p:sp>
+        <p:nvSpPr>
+          <p:cNvPr id="2" name="Slide Image Placeholder 1"/>
+          <p:cNvSpPr>
+            <a:spLocks noGrp="1" noRot="1" noChangeAspect="1"/>
+          </p:cNvSpPr>
+          <p:nvPr>
+            <p:ph type="sldImg"/>
+          </p:nvPr>
+        </p:nvSpPr>
+        <p:spPr/>
+      </p:sp>
+      <p:sp>
+        <p:nvSpPr>
+          <p:cNvPr id="3" name="Notes Placeholder 2"/>
+          <p:cNvSpPr>
+            <a:spLocks noGrp="1"/>
+          </p:cNvSpPr>
+          <p:nvPr>
+            <p:ph type="body" idx="1"/>
+          </p:nvPr>
+        </p:nvSpPr>
+        <p:spPr/>
+        <p:txBody>
+          <a:bodyPr/>
+          <a:lstStyle/>
+          <a:p>
+            <a:r>
+              <a:rPr lang="en-BG" dirty="0"/>
+              <a:t>The application by defaults starts without any resources preconfigured.</a:t>
+            </a:r>
+          </a:p>
+        </p:txBody>
+      </p:sp>
+      <p:sp>
+        <p:nvSpPr>
+          <p:cNvPr id="4" name="Slide Number Placeholder 3"/>
+          <p:cNvSpPr>
+            <a:spLocks noGrp="1"/>
+          </p:cNvSpPr>
+          <p:nvPr>
+            <p:ph type="sldNum" sz="quarter" idx="5"/>
+          </p:nvPr>
+        </p:nvSpPr>
+        <p:spPr/>
+        <p:txBody>
+          <a:bodyPr/>
+          <a:lstStyle/>
+          <a:p>
+            <a:fld id="{015BC016-C3B4-3C49-8DC4-19C33A9715DF}" type="slidenum">
+              <a:rPr lang="en-BG" smtClean="0"/>
+              <a:t>7</a:t>
+            </a:fld>
+            <a:endParaRPr lang="en-BG"/>
+          </a:p>
+        </p:txBody>
+      </p:sp>
+    </p:spTree>
+    <p:extLst>
+      <p:ext uri="{BB962C8B-B14F-4D97-AF65-F5344CB8AC3E}">
+        <p14:creationId xmlns:p14="http://schemas.microsoft.com/office/powerpoint/2010/main" val="1562023182"/>
+      </p:ext>
+    </p:extLst>
+  </p:cSld>
+  <p:clrMapOvr>
+    <a:masterClrMapping/>
+  </p:clrMapOvr>
+</p:notes>
 </file>
 
 <file path=ppt/slideLayouts/slideLayout1.xml><?xml version="1.0" encoding="utf-8"?>
@@ -5974,6 +6420,18 @@
   <p:clrMapOvr>
     <a:masterClrMapping/>
   </p:clrMapOvr>
+  <mc:AlternateContent xmlns:mc="http://schemas.openxmlformats.org/markup-compatibility/2006">
+    <mc:Choice xmlns:p14="http://schemas.microsoft.com/office/powerpoint/2010/main" Requires="p14">
+      <p:transition spd="med" p14:dur="700">
+        <p:fade/>
+      </p:transition>
+    </mc:Choice>
+    <mc:Fallback>
+      <p:transition spd="med">
+        <p:fade/>
+      </p:transition>
+    </mc:Fallback>
+  </mc:AlternateContent>
 </p:sld>
 </file>
 
@@ -6061,7 +6519,7 @@
           <a:p>
             <a:r>
               <a:rPr lang="en-BG" dirty="0"/>
-              <a:t>The AI Hub supports working with predefined AI chat models</a:t>
+              <a:t>The AI Hub supports working with predefined chat models</a:t>
             </a:r>
           </a:p>
           <a:p>
@@ -6075,11 +6533,11 @@
             </a:r>
             <a:r>
               <a:rPr lang="en-BG" dirty="0"/>
-              <a:t>u can chat directly to an A</a:t>
+              <a:t>u can chat directly to a </a:t>
             </a:r>
             <a:r>
               <a:rPr lang="en-GB" dirty="0"/>
-              <a:t>I chat model or create your own agent customized for your specific needs</a:t>
+              <a:t>chat model or create your own agent customized for your specific needs</a:t>
             </a:r>
             <a:endParaRPr lang="en-BG" dirty="0"/>
           </a:p>
@@ -6125,6 +6583,18 @@
   <p:clrMapOvr>
     <a:masterClrMapping/>
   </p:clrMapOvr>
+  <mc:AlternateContent xmlns:mc="http://schemas.openxmlformats.org/markup-compatibility/2006">
+    <mc:Choice xmlns:p14="http://schemas.microsoft.com/office/powerpoint/2010/main" Requires="p14">
+      <p:transition spd="med" p14:dur="700">
+        <p:fade/>
+      </p:transition>
+    </mc:Choice>
+    <mc:Fallback>
+      <p:transition spd="med">
+        <p:fade/>
+      </p:transition>
+    </mc:Fallback>
+  </mc:AlternateContent>
 </p:sld>
 </file>
 
@@ -6197,12 +6667,12 @@
         <p:spPr>
           <a:xfrm>
             <a:off x="685802" y="1502979"/>
-            <a:ext cx="7890640" cy="5013435"/>
+            <a:ext cx="7890640" cy="3906419"/>
           </a:xfrm>
         </p:spPr>
         <p:txBody>
           <a:bodyPr>
-            <a:normAutofit fontScale="92500" lnSpcReduction="10000"/>
+            <a:normAutofit/>
           </a:bodyPr>
           <a:lstStyle/>
           <a:p>
@@ -6235,7 +6705,7 @@
             <a:pPr lvl="1"/>
             <a:r>
               <a:rPr lang="en-BG" dirty="0"/>
-              <a:t>Messages that can later be used to customized one or multiple chat models</a:t>
+              <a:t>Messages that can later be used to customize one or multiple chat models</a:t>
             </a:r>
           </a:p>
           <a:p>
@@ -6249,53 +6719,6 @@
             <a:r>
               <a:rPr lang="en-BG" dirty="0"/>
               <a:t>Represent the combination of a specific chat model and a specific system message</a:t>
-            </a:r>
-          </a:p>
-          <a:p>
-            <a:r>
-              <a:rPr lang="en-BG" dirty="0"/>
-              <a:t>Chats</a:t>
-            </a:r>
-          </a:p>
-          <a:p>
-            <a:pPr lvl="1"/>
-            <a:r>
-              <a:rPr lang="en-BG" dirty="0"/>
-              <a:t>Chat history with all chat models is saved and can be viewed</a:t>
-            </a:r>
-          </a:p>
-          <a:p>
-            <a:pPr lvl="1"/>
-            <a:r>
-              <a:rPr lang="en-BG" dirty="0"/>
-              <a:t>Chats older than 30 days are automatically deleted</a:t>
-            </a:r>
-          </a:p>
-          <a:p>
-            <a:r>
-              <a:rPr lang="en-BG" dirty="0"/>
-              <a:t>Audit Logs</a:t>
-            </a:r>
-          </a:p>
-          <a:p>
-            <a:pPr lvl="1"/>
-            <a:r>
-              <a:rPr lang="en-BG" dirty="0"/>
-              <a:t>Specific events like creation/deletion of resources generated audit logs</a:t>
-            </a:r>
-          </a:p>
-          <a:p>
-            <a:pPr lvl="1"/>
-            <a:r>
-              <a:rPr lang="en-BG" dirty="0"/>
-              <a:t>Audit logs are handled in a separate application for security reasons</a:t>
-            </a:r>
-          </a:p>
-          <a:p>
-            <a:pPr lvl="1"/>
-            <a:r>
-              <a:rPr lang="en-BG" dirty="0"/>
-              <a:t>Each audit log contains a timestamp of the event and a message for that specific event</a:t>
             </a:r>
           </a:p>
         </p:txBody>
@@ -6350,6 +6773,204 @@
     </p:spTree>
     <p:extLst>
       <p:ext uri="{BB962C8B-B14F-4D97-AF65-F5344CB8AC3E}">
+        <p14:creationId xmlns:p14="http://schemas.microsoft.com/office/powerpoint/2010/main" val="1028157993"/>
+      </p:ext>
+    </p:extLst>
+  </p:cSld>
+  <p:clrMapOvr>
+    <a:masterClrMapping/>
+  </p:clrMapOvr>
+  <mc:AlternateContent xmlns:mc="http://schemas.openxmlformats.org/markup-compatibility/2006">
+    <mc:Choice xmlns:p14="http://schemas.microsoft.com/office/powerpoint/2010/main" Requires="p14">
+      <p:transition spd="med" p14:dur="700">
+        <p:fade/>
+      </p:transition>
+    </mc:Choice>
+    <mc:Fallback>
+      <p:transition spd="med">
+        <p:fade/>
+      </p:transition>
+    </mc:Fallback>
+  </mc:AlternateContent>
+</p:sld>
+</file>
+
+<file path=ppt/slides/slide4.xml><?xml version="1.0" encoding="utf-8"?>
+<p:sld xmlns:a="http://schemas.openxmlformats.org/drawingml/2006/main" xmlns:r="http://schemas.openxmlformats.org/officeDocument/2006/relationships" xmlns:p="http://schemas.openxmlformats.org/presentationml/2006/main">
+  <p:cSld>
+    <p:spTree>
+      <p:nvGrpSpPr>
+        <p:cNvPr id="1" name=""/>
+        <p:cNvGrpSpPr/>
+        <p:nvPr/>
+      </p:nvGrpSpPr>
+      <p:grpSpPr>
+        <a:xfrm>
+          <a:off x="0" y="0"/>
+          <a:ext cx="0" cy="0"/>
+          <a:chOff x="0" y="0"/>
+          <a:chExt cx="0" cy="0"/>
+        </a:xfrm>
+      </p:grpSpPr>
+      <p:sp>
+        <p:nvSpPr>
+          <p:cNvPr id="2" name="Title 1">
+            <a:extLst>
+              <a:ext uri="{FF2B5EF4-FFF2-40B4-BE49-F238E27FC236}">
+                <a16:creationId xmlns:a16="http://schemas.microsoft.com/office/drawing/2014/main" id="{4268B48D-E654-C996-213A-CE5E081CBCAF}"/>
+              </a:ext>
+            </a:extLst>
+          </p:cNvPr>
+          <p:cNvSpPr>
+            <a:spLocks noGrp="1"/>
+          </p:cNvSpPr>
+          <p:nvPr>
+            <p:ph type="title"/>
+          </p:nvPr>
+        </p:nvSpPr>
+        <p:spPr>
+          <a:xfrm>
+            <a:off x="685801" y="609600"/>
+            <a:ext cx="10131425" cy="809297"/>
+          </a:xfrm>
+        </p:spPr>
+        <p:txBody>
+          <a:bodyPr/>
+          <a:lstStyle/>
+          <a:p>
+            <a:r>
+              <a:rPr lang="en-BG" dirty="0"/>
+              <a:t>AI HUB Resources</a:t>
+            </a:r>
+          </a:p>
+        </p:txBody>
+      </p:sp>
+      <p:sp>
+        <p:nvSpPr>
+          <p:cNvPr id="3" name="Content Placeholder 2">
+            <a:extLst>
+              <a:ext uri="{FF2B5EF4-FFF2-40B4-BE49-F238E27FC236}">
+                <a16:creationId xmlns:a16="http://schemas.microsoft.com/office/drawing/2014/main" id="{4FCFD4EA-D0E9-5DEB-EEBB-794A9E315850}"/>
+              </a:ext>
+            </a:extLst>
+          </p:cNvPr>
+          <p:cNvSpPr>
+            <a:spLocks noGrp="1"/>
+          </p:cNvSpPr>
+          <p:nvPr>
+            <p:ph idx="1"/>
+          </p:nvPr>
+        </p:nvSpPr>
+        <p:spPr>
+          <a:xfrm>
+            <a:off x="685802" y="1502979"/>
+            <a:ext cx="7890640" cy="4051737"/>
+          </a:xfrm>
+        </p:spPr>
+        <p:txBody>
+          <a:bodyPr>
+            <a:normAutofit/>
+          </a:bodyPr>
+          <a:lstStyle/>
+          <a:p>
+            <a:r>
+              <a:rPr lang="en-BG" dirty="0"/>
+              <a:t>Chats</a:t>
+            </a:r>
+          </a:p>
+          <a:p>
+            <a:pPr lvl="1"/>
+            <a:r>
+              <a:rPr lang="en-BG" dirty="0"/>
+              <a:t>Chat history with all chat models is saved and can be viewed</a:t>
+            </a:r>
+          </a:p>
+          <a:p>
+            <a:pPr lvl="1"/>
+            <a:r>
+              <a:rPr lang="en-BG" dirty="0"/>
+              <a:t>Chats older than 30 days are automatically deleted</a:t>
+            </a:r>
+          </a:p>
+          <a:p>
+            <a:r>
+              <a:rPr lang="en-BG" dirty="0"/>
+              <a:t>Audit Logs</a:t>
+            </a:r>
+          </a:p>
+          <a:p>
+            <a:pPr lvl="1"/>
+            <a:r>
+              <a:rPr lang="en-BG" dirty="0"/>
+              <a:t>Specific events like creation/deletion of resources generated audit logs</a:t>
+            </a:r>
+          </a:p>
+          <a:p>
+            <a:pPr lvl="1"/>
+            <a:r>
+              <a:rPr lang="en-BG" dirty="0"/>
+              <a:t>Audit logs are handled in a separate application for security reasons</a:t>
+            </a:r>
+          </a:p>
+          <a:p>
+            <a:pPr lvl="1"/>
+            <a:r>
+              <a:rPr lang="en-BG" dirty="0"/>
+              <a:t>Each audit log contains a timestamp of the event and a message for that specific event</a:t>
+            </a:r>
+          </a:p>
+        </p:txBody>
+      </p:sp>
+      <p:pic>
+        <p:nvPicPr>
+          <p:cNvPr id="2050" name="Picture 2" descr="Learn Vue.js Components in This FREE Video Course">
+            <a:extLst>
+              <a:ext uri="{FF2B5EF4-FFF2-40B4-BE49-F238E27FC236}">
+                <a16:creationId xmlns:a16="http://schemas.microsoft.com/office/drawing/2014/main" id="{8CC7E397-70D6-30EA-0EB9-152D37621CEB}"/>
+              </a:ext>
+            </a:extLst>
+          </p:cNvPr>
+          <p:cNvPicPr>
+            <a:picLocks noChangeAspect="1" noChangeArrowheads="1"/>
+          </p:cNvPicPr>
+          <p:nvPr/>
+        </p:nvPicPr>
+        <p:blipFill>
+          <a:blip r:embed="rId2">
+            <a:extLst>
+              <a:ext uri="{28A0092B-C50C-407E-A947-70E740481C1C}">
+                <a14:useLocalDpi xmlns:a14="http://schemas.microsoft.com/office/drawing/2010/main" val="0"/>
+              </a:ext>
+            </a:extLst>
+          </a:blip>
+          <a:srcRect/>
+          <a:stretch>
+            <a:fillRect/>
+          </a:stretch>
+        </p:blipFill>
+        <p:spPr bwMode="auto">
+          <a:xfrm>
+            <a:off x="7746123" y="2464675"/>
+            <a:ext cx="4120055" cy="3090041"/>
+          </a:xfrm>
+          <a:prstGeom prst="rect">
+            <a:avLst/>
+          </a:prstGeom>
+          <a:noFill/>
+          <a:extLst>
+            <a:ext uri="{909E8E84-426E-40DD-AFC4-6F175D3DCCD1}">
+              <a14:hiddenFill xmlns:a14="http://schemas.microsoft.com/office/drawing/2010/main">
+                <a:solidFill>
+                  <a:srgbClr val="FFFFFF"/>
+                </a:solidFill>
+              </a14:hiddenFill>
+            </a:ext>
+          </a:extLst>
+        </p:spPr>
+      </p:pic>
+    </p:spTree>
+    <p:extLst>
+      <p:ext uri="{BB962C8B-B14F-4D97-AF65-F5344CB8AC3E}">
         <p14:creationId xmlns:p14="http://schemas.microsoft.com/office/powerpoint/2010/main" val="761975118"/>
       </p:ext>
     </p:extLst>
@@ -6357,10 +6978,22 @@
   <p:clrMapOvr>
     <a:masterClrMapping/>
   </p:clrMapOvr>
+  <mc:AlternateContent xmlns:mc="http://schemas.openxmlformats.org/markup-compatibility/2006">
+    <mc:Choice xmlns:p14="http://schemas.microsoft.com/office/powerpoint/2010/main" Requires="p14">
+      <p:transition spd="med" p14:dur="700">
+        <p:fade/>
+      </p:transition>
+    </mc:Choice>
+    <mc:Fallback>
+      <p:transition spd="med">
+        <p:fade/>
+      </p:transition>
+    </mc:Fallback>
+  </mc:AlternateContent>
 </p:sld>
 </file>
 
-<file path=ppt/slides/slide4.xml><?xml version="1.0" encoding="utf-8"?>
+<file path=ppt/slides/slide5.xml><?xml version="1.0" encoding="utf-8"?>
 <p:sld xmlns:a="http://schemas.openxmlformats.org/drawingml/2006/main" xmlns:r="http://schemas.openxmlformats.org/officeDocument/2006/relationships" xmlns:p="http://schemas.openxmlformats.org/presentationml/2006/main">
   <p:cSld>
     <p:spTree>
@@ -6543,10 +7176,22 @@
   <p:clrMapOvr>
     <a:masterClrMapping/>
   </p:clrMapOvr>
+  <mc:AlternateContent xmlns:mc="http://schemas.openxmlformats.org/markup-compatibility/2006">
+    <mc:Choice xmlns:p14="http://schemas.microsoft.com/office/powerpoint/2010/main" Requires="p14">
+      <p:transition spd="med" p14:dur="700">
+        <p:fade/>
+      </p:transition>
+    </mc:Choice>
+    <mc:Fallback>
+      <p:transition spd="med">
+        <p:fade/>
+      </p:transition>
+    </mc:Fallback>
+  </mc:AlternateContent>
 </p:sld>
 </file>
 
-<file path=ppt/slides/slide5.xml><?xml version="1.0" encoding="utf-8"?>
+<file path=ppt/slides/slide6.xml><?xml version="1.0" encoding="utf-8"?>
 <p:sld xmlns:a="http://schemas.openxmlformats.org/drawingml/2006/main" xmlns:r="http://schemas.openxmlformats.org/officeDocument/2006/relationships" xmlns:p="http://schemas.openxmlformats.org/presentationml/2006/main">
   <p:cSld>
     <p:spTree>
@@ -6702,268 +7347,18 @@
   <p:clrMapOvr>
     <a:masterClrMapping/>
   </p:clrMapOvr>
-</p:sld>
-</file>
-
-<file path=ppt/slides/slide6.xml><?xml version="1.0" encoding="utf-8"?>
-<p:sld xmlns:a="http://schemas.openxmlformats.org/drawingml/2006/main" xmlns:r="http://schemas.openxmlformats.org/officeDocument/2006/relationships" xmlns:p="http://schemas.openxmlformats.org/presentationml/2006/main">
-  <p:cSld>
-    <p:spTree>
-      <p:nvGrpSpPr>
-        <p:cNvPr id="1" name=""/>
-        <p:cNvGrpSpPr/>
-        <p:nvPr/>
-      </p:nvGrpSpPr>
-      <p:grpSpPr>
-        <a:xfrm>
-          <a:off x="0" y="0"/>
-          <a:ext cx="0" cy="0"/>
-          <a:chOff x="0" y="0"/>
-          <a:chExt cx="0" cy="0"/>
-        </a:xfrm>
-      </p:grpSpPr>
-      <p:sp>
-        <p:nvSpPr>
-          <p:cNvPr id="2" name="Title 1">
-            <a:extLst>
-              <a:ext uri="{FF2B5EF4-FFF2-40B4-BE49-F238E27FC236}">
-                <a16:creationId xmlns:a16="http://schemas.microsoft.com/office/drawing/2014/main" id="{4268B48D-E654-C996-213A-CE5E081CBCAF}"/>
-              </a:ext>
-            </a:extLst>
-          </p:cNvPr>
-          <p:cNvSpPr>
-            <a:spLocks noGrp="1"/>
-          </p:cNvSpPr>
-          <p:nvPr>
-            <p:ph type="title"/>
-          </p:nvPr>
-        </p:nvSpPr>
-        <p:spPr>
-          <a:xfrm>
-            <a:off x="685801" y="609600"/>
-            <a:ext cx="10131425" cy="809297"/>
-          </a:xfrm>
-        </p:spPr>
-        <p:txBody>
-          <a:bodyPr/>
-          <a:lstStyle/>
-          <a:p>
-            <a:r>
-              <a:rPr lang="en-GB" dirty="0"/>
-              <a:t>Starting the application</a:t>
-            </a:r>
-            <a:endParaRPr lang="en-BG" dirty="0"/>
-          </a:p>
-        </p:txBody>
-      </p:sp>
-      <p:sp>
-        <p:nvSpPr>
-          <p:cNvPr id="3" name="Content Placeholder 2">
-            <a:extLst>
-              <a:ext uri="{FF2B5EF4-FFF2-40B4-BE49-F238E27FC236}">
-                <a16:creationId xmlns:a16="http://schemas.microsoft.com/office/drawing/2014/main" id="{4FCFD4EA-D0E9-5DEB-EEBB-794A9E315850}"/>
-              </a:ext>
-            </a:extLst>
-          </p:cNvPr>
-          <p:cNvSpPr>
-            <a:spLocks noGrp="1"/>
-          </p:cNvSpPr>
-          <p:nvPr>
-            <p:ph idx="1"/>
-          </p:nvPr>
-        </p:nvSpPr>
-        <p:spPr>
-          <a:xfrm>
-            <a:off x="685801" y="1502979"/>
-            <a:ext cx="7501758" cy="4918842"/>
-          </a:xfrm>
-        </p:spPr>
-        <p:txBody>
-          <a:bodyPr>
-            <a:normAutofit lnSpcReduction="10000"/>
-          </a:bodyPr>
-          <a:lstStyle/>
-          <a:p>
-            <a:pPr marL="342900" indent="-342900">
-              <a:buFont typeface="+mj-lt"/>
-              <a:buAutoNum type="arabicPeriod"/>
-            </a:pPr>
-            <a:r>
-              <a:rPr lang="en-BG" dirty="0"/>
-              <a:t>Start the Audit Log application</a:t>
-            </a:r>
-          </a:p>
-          <a:p>
-            <a:pPr marL="800100" lvl="1" indent="-342900">
-              <a:buFont typeface="+mj-lt"/>
-              <a:buAutoNum type="arabicPeriod"/>
-            </a:pPr>
-            <a:r>
-              <a:rPr lang="en-BG" dirty="0"/>
-              <a:t>Required environment variables are: DB_USERNAME and DB_PASSWORD for an MySQL availbale MySQL database on localhost:3306</a:t>
-            </a:r>
-          </a:p>
-          <a:p>
-            <a:pPr marL="342900" indent="-342900">
-              <a:buFont typeface="+mj-lt"/>
-              <a:buAutoNum type="arabicPeriod"/>
-            </a:pPr>
-            <a:r>
-              <a:rPr lang="en-BG" dirty="0"/>
-              <a:t>Start the AI Hub Application</a:t>
-            </a:r>
-          </a:p>
-          <a:p>
-            <a:pPr marL="800100" lvl="1" indent="-342900">
-              <a:buFont typeface="+mj-lt"/>
-              <a:buAutoNum type="arabicPeriod"/>
-            </a:pPr>
-            <a:r>
-              <a:rPr lang="en-BG" dirty="0"/>
-              <a:t>Required environment variables are: DB_USERNAME and DB_PASSWORD for an MySQL availbale MySQL database on localhost:3306</a:t>
-            </a:r>
-          </a:p>
-          <a:p>
-            <a:pPr marL="800100" lvl="1" indent="-342900">
-              <a:buFont typeface="+mj-lt"/>
-              <a:buAutoNum type="arabicPeriod"/>
-            </a:pPr>
-            <a:r>
-              <a:rPr lang="en-BG" dirty="0"/>
-              <a:t>The audit log application should be available on localhost:8081 by default</a:t>
-            </a:r>
-          </a:p>
-          <a:p>
-            <a:pPr marL="342900" indent="-342900">
-              <a:buFont typeface="+mj-lt"/>
-              <a:buAutoNum type="arabicPeriod"/>
-            </a:pPr>
-            <a:r>
-              <a:rPr lang="en-BG" dirty="0"/>
-              <a:t>Start the Angular Application</a:t>
-            </a:r>
-          </a:p>
-          <a:p>
-            <a:pPr marL="800100" lvl="1" indent="-342900">
-              <a:buFont typeface="+mj-lt"/>
-              <a:buAutoNum type="arabicPeriod"/>
-            </a:pPr>
-            <a:r>
-              <a:rPr lang="en-BG" dirty="0"/>
-              <a:t>Use the “npm install” command inside the ai-hub-ui folder</a:t>
-            </a:r>
-          </a:p>
-          <a:p>
-            <a:pPr marL="800100" lvl="1" indent="-342900">
-              <a:buFont typeface="+mj-lt"/>
-              <a:buAutoNum type="arabicPeriod"/>
-            </a:pPr>
-            <a:r>
-              <a:rPr lang="en-BG" dirty="0"/>
-              <a:t>Use the “ng serve (--configuration bg // for Bulgarian)” command inside the ai-hub-ui folder</a:t>
-            </a:r>
-          </a:p>
-          <a:p>
-            <a:pPr marL="800100" lvl="1" indent="-342900">
-              <a:buFont typeface="+mj-lt"/>
-              <a:buAutoNum type="arabicPeriod"/>
-            </a:pPr>
-            <a:r>
-              <a:rPr lang="en-BG" dirty="0"/>
-              <a:t>The AI Hub application should be available on localhost:8080</a:t>
-            </a:r>
-          </a:p>
-          <a:p>
-            <a:pPr marL="342900" indent="-342900">
-              <a:buFont typeface="+mj-lt"/>
-              <a:buAutoNum type="arabicPeriod"/>
-            </a:pPr>
-            <a:r>
-              <a:rPr lang="en-BG" dirty="0"/>
-              <a:t>The default admin credentials are</a:t>
-            </a:r>
-          </a:p>
-          <a:p>
-            <a:pPr marL="800100" lvl="1" indent="-342900">
-              <a:buFont typeface="+mj-lt"/>
-              <a:buAutoNum type="arabicPeriod"/>
-            </a:pPr>
-            <a:r>
-              <a:rPr lang="en-GB" dirty="0"/>
-              <a:t>U</a:t>
-            </a:r>
-            <a:r>
-              <a:rPr lang="en-BG" dirty="0"/>
-              <a:t>ser: admin</a:t>
-            </a:r>
-          </a:p>
-          <a:p>
-            <a:pPr marL="800100" lvl="1" indent="-342900">
-              <a:buFont typeface="+mj-lt"/>
-              <a:buAutoNum type="arabicPeriod"/>
-            </a:pPr>
-            <a:r>
-              <a:rPr lang="en-BG" dirty="0"/>
-              <a:t>Password: admin</a:t>
-            </a:r>
-          </a:p>
-        </p:txBody>
-      </p:sp>
-      <p:pic>
-        <p:nvPicPr>
-          <p:cNvPr id="6146" name="Picture 2" descr="Turn on button click glyph icon Royalty Free Vector Image">
-            <a:extLst>
-              <a:ext uri="{FF2B5EF4-FFF2-40B4-BE49-F238E27FC236}">
-                <a16:creationId xmlns:a16="http://schemas.microsoft.com/office/drawing/2014/main" id="{3B60E1D8-1F03-6929-7BAA-231B9990B04B}"/>
-              </a:ext>
-            </a:extLst>
-          </p:cNvPr>
-          <p:cNvPicPr>
-            <a:picLocks noChangeAspect="1" noChangeArrowheads="1"/>
-          </p:cNvPicPr>
-          <p:nvPr/>
-        </p:nvPicPr>
-        <p:blipFill rotWithShape="1">
-          <a:blip r:embed="rId2">
-            <a:extLst>
-              <a:ext uri="{28A0092B-C50C-407E-A947-70E740481C1C}">
-                <a14:useLocalDpi xmlns:a14="http://schemas.microsoft.com/office/drawing/2010/main" val="0"/>
-              </a:ext>
-            </a:extLst>
-          </a:blip>
-          <a:srcRect b="10719"/>
-          <a:stretch/>
-        </p:blipFill>
-        <p:spPr bwMode="auto">
-          <a:xfrm>
-            <a:off x="8397765" y="1974279"/>
-            <a:ext cx="3017345" cy="2909441"/>
-          </a:xfrm>
-          <a:prstGeom prst="rect">
-            <a:avLst/>
-          </a:prstGeom>
-          <a:noFill/>
-          <a:extLst>
-            <a:ext uri="{909E8E84-426E-40DD-AFC4-6F175D3DCCD1}">
-              <a14:hiddenFill xmlns:a14="http://schemas.microsoft.com/office/drawing/2010/main">
-                <a:solidFill>
-                  <a:srgbClr val="FFFFFF"/>
-                </a:solidFill>
-              </a14:hiddenFill>
-            </a:ext>
-          </a:extLst>
-        </p:spPr>
-      </p:pic>
-    </p:spTree>
-    <p:extLst>
-      <p:ext uri="{BB962C8B-B14F-4D97-AF65-F5344CB8AC3E}">
-        <p14:creationId xmlns:p14="http://schemas.microsoft.com/office/powerpoint/2010/main" val="1835173854"/>
-      </p:ext>
-    </p:extLst>
-  </p:cSld>
-  <p:clrMapOvr>
-    <a:masterClrMapping/>
-  </p:clrMapOvr>
+  <mc:AlternateContent xmlns:mc="http://schemas.openxmlformats.org/markup-compatibility/2006">
+    <mc:Choice xmlns:p14="http://schemas.microsoft.com/office/powerpoint/2010/main" Requires="p14">
+      <p:transition spd="med" p14:dur="700">
+        <p:fade/>
+      </p:transition>
+    </mc:Choice>
+    <mc:Fallback>
+      <p:transition spd="med">
+        <p:fade/>
+      </p:transition>
+    </mc:Fallback>
+  </mc:AlternateContent>
 </p:sld>
 </file>
 
@@ -6989,6 +7384,280 @@
           <p:cNvPr id="2" name="Title 1">
             <a:extLst>
               <a:ext uri="{FF2B5EF4-FFF2-40B4-BE49-F238E27FC236}">
+                <a16:creationId xmlns:a16="http://schemas.microsoft.com/office/drawing/2014/main" id="{4268B48D-E654-C996-213A-CE5E081CBCAF}"/>
+              </a:ext>
+            </a:extLst>
+          </p:cNvPr>
+          <p:cNvSpPr>
+            <a:spLocks noGrp="1"/>
+          </p:cNvSpPr>
+          <p:nvPr>
+            <p:ph type="title"/>
+          </p:nvPr>
+        </p:nvSpPr>
+        <p:spPr>
+          <a:xfrm>
+            <a:off x="685801" y="609600"/>
+            <a:ext cx="10131425" cy="809297"/>
+          </a:xfrm>
+        </p:spPr>
+        <p:txBody>
+          <a:bodyPr/>
+          <a:lstStyle/>
+          <a:p>
+            <a:r>
+              <a:rPr lang="en-GB" dirty="0"/>
+              <a:t>Starting the application</a:t>
+            </a:r>
+            <a:endParaRPr lang="en-BG" dirty="0"/>
+          </a:p>
+        </p:txBody>
+      </p:sp>
+      <p:sp>
+        <p:nvSpPr>
+          <p:cNvPr id="3" name="Content Placeholder 2">
+            <a:extLst>
+              <a:ext uri="{FF2B5EF4-FFF2-40B4-BE49-F238E27FC236}">
+                <a16:creationId xmlns:a16="http://schemas.microsoft.com/office/drawing/2014/main" id="{4FCFD4EA-D0E9-5DEB-EEBB-794A9E315850}"/>
+              </a:ext>
+            </a:extLst>
+          </p:cNvPr>
+          <p:cNvSpPr>
+            <a:spLocks noGrp="1"/>
+          </p:cNvSpPr>
+          <p:nvPr>
+            <p:ph idx="1"/>
+          </p:nvPr>
+        </p:nvSpPr>
+        <p:spPr>
+          <a:xfrm>
+            <a:off x="685801" y="1502979"/>
+            <a:ext cx="7501758" cy="4918842"/>
+          </a:xfrm>
+        </p:spPr>
+        <p:txBody>
+          <a:bodyPr>
+            <a:normAutofit lnSpcReduction="10000"/>
+          </a:bodyPr>
+          <a:lstStyle/>
+          <a:p>
+            <a:pPr marL="342900" indent="-342900">
+              <a:buFont typeface="+mj-lt"/>
+              <a:buAutoNum type="arabicPeriod"/>
+            </a:pPr>
+            <a:r>
+              <a:rPr lang="en-BG" dirty="0"/>
+              <a:t>Start the Audit Log application</a:t>
+            </a:r>
+          </a:p>
+          <a:p>
+            <a:pPr marL="800100" lvl="1" indent="-342900">
+              <a:buFont typeface="+mj-lt"/>
+              <a:buAutoNum type="arabicPeriod"/>
+            </a:pPr>
+            <a:r>
+              <a:rPr lang="en-BG" dirty="0"/>
+              <a:t>Required environment variables are: DB_USERNAME and DB_PASSWORD for an MySQL availbale MySQL database on localhost:3306</a:t>
+            </a:r>
+          </a:p>
+          <a:p>
+            <a:pPr marL="342900" indent="-342900">
+              <a:buFont typeface="+mj-lt"/>
+              <a:buAutoNum type="arabicPeriod"/>
+            </a:pPr>
+            <a:r>
+              <a:rPr lang="en-BG" dirty="0"/>
+              <a:t>Start the AI Hub Application</a:t>
+            </a:r>
+          </a:p>
+          <a:p>
+            <a:pPr marL="800100" lvl="1" indent="-342900">
+              <a:buFont typeface="+mj-lt"/>
+              <a:buAutoNum type="arabicPeriod"/>
+            </a:pPr>
+            <a:r>
+              <a:rPr lang="en-BG" dirty="0"/>
+              <a:t>Required environment variables are: DB_USERNAME and DB_PASSWORD for an MySQL availbale MySQL database on localhost:3306</a:t>
+            </a:r>
+          </a:p>
+          <a:p>
+            <a:pPr marL="800100" lvl="1" indent="-342900">
+              <a:buFont typeface="+mj-lt"/>
+              <a:buAutoNum type="arabicPeriod"/>
+            </a:pPr>
+            <a:r>
+              <a:rPr lang="en-BG" dirty="0"/>
+              <a:t>The audit log application should be available on localhost:8081 by default</a:t>
+            </a:r>
+          </a:p>
+          <a:p>
+            <a:pPr marL="342900" indent="-342900">
+              <a:buFont typeface="+mj-lt"/>
+              <a:buAutoNum type="arabicPeriod"/>
+            </a:pPr>
+            <a:r>
+              <a:rPr lang="en-BG" dirty="0"/>
+              <a:t>Start the Angular Application</a:t>
+            </a:r>
+          </a:p>
+          <a:p>
+            <a:pPr marL="800100" lvl="1" indent="-342900">
+              <a:buFont typeface="+mj-lt"/>
+              <a:buAutoNum type="arabicPeriod"/>
+            </a:pPr>
+            <a:r>
+              <a:rPr lang="en-BG" dirty="0"/>
+              <a:t>Use the “npm install” command inside the ai-hub-ui folder</a:t>
+            </a:r>
+          </a:p>
+          <a:p>
+            <a:pPr marL="800100" lvl="1" indent="-342900">
+              <a:buFont typeface="+mj-lt"/>
+              <a:buAutoNum type="arabicPeriod"/>
+            </a:pPr>
+            <a:r>
+              <a:rPr lang="en-BG" dirty="0"/>
+              <a:t>Use the “ng serve (--configuration bg // for Bulgarian)” command inside the ai-hub-ui folder</a:t>
+            </a:r>
+          </a:p>
+          <a:p>
+            <a:pPr marL="800100" lvl="1" indent="-342900">
+              <a:buFont typeface="+mj-lt"/>
+              <a:buAutoNum type="arabicPeriod"/>
+            </a:pPr>
+            <a:r>
+              <a:rPr lang="en-BG" dirty="0"/>
+              <a:t>The AI Hub application should be available on localhost:8080</a:t>
+            </a:r>
+          </a:p>
+          <a:p>
+            <a:pPr marL="342900" indent="-342900">
+              <a:buFont typeface="+mj-lt"/>
+              <a:buAutoNum type="arabicPeriod"/>
+            </a:pPr>
+            <a:r>
+              <a:rPr lang="en-BG" dirty="0"/>
+              <a:t>The default admin credentials are</a:t>
+            </a:r>
+          </a:p>
+          <a:p>
+            <a:pPr marL="800100" lvl="1" indent="-342900">
+              <a:buFont typeface="+mj-lt"/>
+              <a:buAutoNum type="arabicPeriod"/>
+            </a:pPr>
+            <a:r>
+              <a:rPr lang="en-GB" dirty="0"/>
+              <a:t>U</a:t>
+            </a:r>
+            <a:r>
+              <a:rPr lang="en-BG" dirty="0"/>
+              <a:t>ser: admin</a:t>
+            </a:r>
+          </a:p>
+          <a:p>
+            <a:pPr marL="800100" lvl="1" indent="-342900">
+              <a:buFont typeface="+mj-lt"/>
+              <a:buAutoNum type="arabicPeriod"/>
+            </a:pPr>
+            <a:r>
+              <a:rPr lang="en-BG" dirty="0"/>
+              <a:t>Password: admin</a:t>
+            </a:r>
+          </a:p>
+        </p:txBody>
+      </p:sp>
+      <p:pic>
+        <p:nvPicPr>
+          <p:cNvPr id="6146" name="Picture 2" descr="Turn on button click glyph icon Royalty Free Vector Image">
+            <a:extLst>
+              <a:ext uri="{FF2B5EF4-FFF2-40B4-BE49-F238E27FC236}">
+                <a16:creationId xmlns:a16="http://schemas.microsoft.com/office/drawing/2014/main" id="{3B60E1D8-1F03-6929-7BAA-231B9990B04B}"/>
+              </a:ext>
+            </a:extLst>
+          </p:cNvPr>
+          <p:cNvPicPr>
+            <a:picLocks noChangeAspect="1" noChangeArrowheads="1"/>
+          </p:cNvPicPr>
+          <p:nvPr/>
+        </p:nvPicPr>
+        <p:blipFill rotWithShape="1">
+          <a:blip r:embed="rId3">
+            <a:extLst>
+              <a:ext uri="{28A0092B-C50C-407E-A947-70E740481C1C}">
+                <a14:useLocalDpi xmlns:a14="http://schemas.microsoft.com/office/drawing/2010/main" val="0"/>
+              </a:ext>
+            </a:extLst>
+          </a:blip>
+          <a:srcRect b="10719"/>
+          <a:stretch/>
+        </p:blipFill>
+        <p:spPr bwMode="auto">
+          <a:xfrm>
+            <a:off x="8397765" y="1974279"/>
+            <a:ext cx="3017345" cy="2909441"/>
+          </a:xfrm>
+          <a:prstGeom prst="rect">
+            <a:avLst/>
+          </a:prstGeom>
+          <a:noFill/>
+          <a:extLst>
+            <a:ext uri="{909E8E84-426E-40DD-AFC4-6F175D3DCCD1}">
+              <a14:hiddenFill xmlns:a14="http://schemas.microsoft.com/office/drawing/2010/main">
+                <a:solidFill>
+                  <a:srgbClr val="FFFFFF"/>
+                </a:solidFill>
+              </a14:hiddenFill>
+            </a:ext>
+          </a:extLst>
+        </p:spPr>
+      </p:pic>
+    </p:spTree>
+    <p:extLst>
+      <p:ext uri="{BB962C8B-B14F-4D97-AF65-F5344CB8AC3E}">
+        <p14:creationId xmlns:p14="http://schemas.microsoft.com/office/powerpoint/2010/main" val="1835173854"/>
+      </p:ext>
+    </p:extLst>
+  </p:cSld>
+  <p:clrMapOvr>
+    <a:masterClrMapping/>
+  </p:clrMapOvr>
+  <mc:AlternateContent xmlns:mc="http://schemas.openxmlformats.org/markup-compatibility/2006">
+    <mc:Choice xmlns:p14="http://schemas.microsoft.com/office/powerpoint/2010/main" Requires="p14">
+      <p:transition spd="med" p14:dur="700">
+        <p:fade/>
+      </p:transition>
+    </mc:Choice>
+    <mc:Fallback>
+      <p:transition spd="med">
+        <p:fade/>
+      </p:transition>
+    </mc:Fallback>
+  </mc:AlternateContent>
+</p:sld>
+</file>
+
+<file path=ppt/slides/slide8.xml><?xml version="1.0" encoding="utf-8"?>
+<p:sld xmlns:a="http://schemas.openxmlformats.org/drawingml/2006/main" xmlns:r="http://schemas.openxmlformats.org/officeDocument/2006/relationships" xmlns:p="http://schemas.openxmlformats.org/presentationml/2006/main">
+  <p:cSld>
+    <p:spTree>
+      <p:nvGrpSpPr>
+        <p:cNvPr id="1" name=""/>
+        <p:cNvGrpSpPr/>
+        <p:nvPr/>
+      </p:nvGrpSpPr>
+      <p:grpSpPr>
+        <a:xfrm>
+          <a:off x="0" y="0"/>
+          <a:ext cx="0" cy="0"/>
+          <a:chOff x="0" y="0"/>
+          <a:chExt cx="0" cy="0"/>
+        </a:xfrm>
+      </p:grpSpPr>
+      <p:sp>
+        <p:nvSpPr>
+          <p:cNvPr id="2" name="Title 1">
+            <a:extLst>
+              <a:ext uri="{FF2B5EF4-FFF2-40B4-BE49-F238E27FC236}">
                 <a16:creationId xmlns:a16="http://schemas.microsoft.com/office/drawing/2014/main" id="{233EB9CE-D558-C0BB-185D-513F6461AC4C}"/>
               </a:ext>
             </a:extLst>
@@ -7056,6 +7725,18 @@
   <p:clrMapOvr>
     <a:masterClrMapping/>
   </p:clrMapOvr>
+  <mc:AlternateContent xmlns:mc="http://schemas.openxmlformats.org/markup-compatibility/2006">
+    <mc:Choice xmlns:p14="http://schemas.microsoft.com/office/powerpoint/2010/main" Requires="p14">
+      <p:transition spd="med" p14:dur="700">
+        <p:fade/>
+      </p:transition>
+    </mc:Choice>
+    <mc:Fallback>
+      <p:transition spd="med">
+        <p:fade/>
+      </p:transition>
+    </mc:Fallback>
+  </mc:AlternateContent>
 </p:sld>
 </file>
 
@@ -7308,6 +7989,321 @@
 </a:theme>
 </file>
 
+<file path=ppt/theme/theme2.xml><?xml version="1.0" encoding="utf-8"?>
+<a:theme xmlns:a="http://schemas.openxmlformats.org/drawingml/2006/main" name="Office Theme">
+  <a:themeElements>
+    <a:clrScheme name="Office">
+      <a:dk1>
+        <a:sysClr val="windowText" lastClr="000000"/>
+      </a:dk1>
+      <a:lt1>
+        <a:sysClr val="window" lastClr="FFFFFF"/>
+      </a:lt1>
+      <a:dk2>
+        <a:srgbClr val="0E2841"/>
+      </a:dk2>
+      <a:lt2>
+        <a:srgbClr val="E8E8E8"/>
+      </a:lt2>
+      <a:accent1>
+        <a:srgbClr val="156082"/>
+      </a:accent1>
+      <a:accent2>
+        <a:srgbClr val="E97132"/>
+      </a:accent2>
+      <a:accent3>
+        <a:srgbClr val="196B24"/>
+      </a:accent3>
+      <a:accent4>
+        <a:srgbClr val="0F9ED5"/>
+      </a:accent4>
+      <a:accent5>
+        <a:srgbClr val="A02B93"/>
+      </a:accent5>
+      <a:accent6>
+        <a:srgbClr val="4EA72E"/>
+      </a:accent6>
+      <a:hlink>
+        <a:srgbClr val="467886"/>
+      </a:hlink>
+      <a:folHlink>
+        <a:srgbClr val="96607D"/>
+      </a:folHlink>
+    </a:clrScheme>
+    <a:fontScheme name="Office">
+      <a:majorFont>
+        <a:latin typeface="Aptos Display" panose="02110004020202020204"/>
+        <a:ea typeface=""/>
+        <a:cs typeface=""/>
+        <a:font script="Jpan" typeface="游ゴシック Light"/>
+        <a:font script="Hang" typeface="맑은 고딕"/>
+        <a:font script="Hans" typeface="等线 Light"/>
+        <a:font script="Hant" typeface="新細明體"/>
+        <a:font script="Arab" typeface="Times New Roman"/>
+        <a:font script="Hebr" typeface="Times New Roman"/>
+        <a:font script="Thai" typeface="Angsana New"/>
+        <a:font script="Ethi" typeface="Nyala"/>
+        <a:font script="Beng" typeface="Vrinda"/>
+        <a:font script="Gujr" typeface="Shruti"/>
+        <a:font script="Khmr" typeface="MoolBoran"/>
+        <a:font script="Knda" typeface="Tunga"/>
+        <a:font script="Guru" typeface="Raavi"/>
+        <a:font script="Cans" typeface="Euphemia"/>
+        <a:font script="Cher" typeface="Plantagenet Cherokee"/>
+        <a:font script="Yiii" typeface="Microsoft Yi Baiti"/>
+        <a:font script="Tibt" typeface="Microsoft Himalaya"/>
+        <a:font script="Thaa" typeface="MV Boli"/>
+        <a:font script="Deva" typeface="Mangal"/>
+        <a:font script="Telu" typeface="Gautami"/>
+        <a:font script="Taml" typeface="Latha"/>
+        <a:font script="Syrc" typeface="Estrangelo Edessa"/>
+        <a:font script="Orya" typeface="Kalinga"/>
+        <a:font script="Mlym" typeface="Kartika"/>
+        <a:font script="Laoo" typeface="DokChampa"/>
+        <a:font script="Sinh" typeface="Iskoola Pota"/>
+        <a:font script="Mong" typeface="Mongolian Baiti"/>
+        <a:font script="Viet" typeface="Times New Roman"/>
+        <a:font script="Uigh" typeface="Microsoft Uighur"/>
+        <a:font script="Geor" typeface="Sylfaen"/>
+        <a:font script="Armn" typeface="Arial"/>
+        <a:font script="Bugi" typeface="Leelawadee UI"/>
+        <a:font script="Bopo" typeface="Microsoft JhengHei"/>
+        <a:font script="Java" typeface="Javanese Text"/>
+        <a:font script="Lisu" typeface="Segoe UI"/>
+        <a:font script="Mymr" typeface="Myanmar Text"/>
+        <a:font script="Nkoo" typeface="Ebrima"/>
+        <a:font script="Olck" typeface="Nirmala UI"/>
+        <a:font script="Osma" typeface="Ebrima"/>
+        <a:font script="Phag" typeface="Phagspa"/>
+        <a:font script="Syrn" typeface="Estrangelo Edessa"/>
+        <a:font script="Syrj" typeface="Estrangelo Edessa"/>
+        <a:font script="Syre" typeface="Estrangelo Edessa"/>
+        <a:font script="Sora" typeface="Nirmala UI"/>
+        <a:font script="Tale" typeface="Microsoft Tai Le"/>
+        <a:font script="Talu" typeface="Microsoft New Tai Lue"/>
+        <a:font script="Tfng" typeface="Ebrima"/>
+      </a:majorFont>
+      <a:minorFont>
+        <a:latin typeface="Aptos" panose="02110004020202020204"/>
+        <a:ea typeface=""/>
+        <a:cs typeface=""/>
+        <a:font script="Jpan" typeface="游ゴシック"/>
+        <a:font script="Hang" typeface="맑은 고딕"/>
+        <a:font script="Hans" typeface="等线"/>
+        <a:font script="Hant" typeface="新細明體"/>
+        <a:font script="Arab" typeface="Arial"/>
+        <a:font script="Hebr" typeface="Arial"/>
+        <a:font script="Thai" typeface="Cordia New"/>
+        <a:font script="Ethi" typeface="Nyala"/>
+        <a:font script="Beng" typeface="Vrinda"/>
+        <a:font script="Gujr" typeface="Shruti"/>
+        <a:font script="Khmr" typeface="DaunPenh"/>
+        <a:font script="Knda" typeface="Tunga"/>
+        <a:font script="Guru" typeface="Raavi"/>
+        <a:font script="Cans" typeface="Euphemia"/>
+        <a:font script="Cher" typeface="Plantagenet Cherokee"/>
+        <a:font script="Yiii" typeface="Microsoft Yi Baiti"/>
+        <a:font script="Tibt" typeface="Microsoft Himalaya"/>
+        <a:font script="Thaa" typeface="MV Boli"/>
+        <a:font script="Deva" typeface="Mangal"/>
+        <a:font script="Telu" typeface="Gautami"/>
+        <a:font script="Taml" typeface="Latha"/>
+        <a:font script="Syrc" typeface="Estrangelo Edessa"/>
+        <a:font script="Orya" typeface="Kalinga"/>
+        <a:font script="Mlym" typeface="Kartika"/>
+        <a:font script="Laoo" typeface="DokChampa"/>
+        <a:font script="Sinh" typeface="Iskoola Pota"/>
+        <a:font script="Mong" typeface="Mongolian Baiti"/>
+        <a:font script="Viet" typeface="Arial"/>
+        <a:font script="Uigh" typeface="Microsoft Uighur"/>
+        <a:font script="Geor" typeface="Sylfaen"/>
+        <a:font script="Armn" typeface="Arial"/>
+        <a:font script="Bugi" typeface="Leelawadee UI"/>
+        <a:font script="Bopo" typeface="Microsoft JhengHei"/>
+        <a:font script="Java" typeface="Javanese Text"/>
+        <a:font script="Lisu" typeface="Segoe UI"/>
+        <a:font script="Mymr" typeface="Myanmar Text"/>
+        <a:font script="Nkoo" typeface="Ebrima"/>
+        <a:font script="Olck" typeface="Nirmala UI"/>
+        <a:font script="Osma" typeface="Ebrima"/>
+        <a:font script="Phag" typeface="Phagspa"/>
+        <a:font script="Syrn" typeface="Estrangelo Edessa"/>
+        <a:font script="Syrj" typeface="Estrangelo Edessa"/>
+        <a:font script="Syre" typeface="Estrangelo Edessa"/>
+        <a:font script="Sora" typeface="Nirmala UI"/>
+        <a:font script="Tale" typeface="Microsoft Tai Le"/>
+        <a:font script="Talu" typeface="Microsoft New Tai Lue"/>
+        <a:font script="Tfng" typeface="Ebrima"/>
+      </a:minorFont>
+    </a:fontScheme>
+    <a:fmtScheme name="Office">
+      <a:fillStyleLst>
+        <a:solidFill>
+          <a:schemeClr val="phClr"/>
+        </a:solidFill>
+        <a:gradFill rotWithShape="1">
+          <a:gsLst>
+            <a:gs pos="0">
+              <a:schemeClr val="phClr">
+                <a:lumMod val="110000"/>
+                <a:satMod val="105000"/>
+                <a:tint val="67000"/>
+              </a:schemeClr>
+            </a:gs>
+            <a:gs pos="50000">
+              <a:schemeClr val="phClr">
+                <a:lumMod val="105000"/>
+                <a:satMod val="103000"/>
+                <a:tint val="73000"/>
+              </a:schemeClr>
+            </a:gs>
+            <a:gs pos="100000">
+              <a:schemeClr val="phClr">
+                <a:lumMod val="105000"/>
+                <a:satMod val="109000"/>
+                <a:tint val="81000"/>
+              </a:schemeClr>
+            </a:gs>
+          </a:gsLst>
+          <a:lin ang="5400000" scaled="0"/>
+        </a:gradFill>
+        <a:gradFill rotWithShape="1">
+          <a:gsLst>
+            <a:gs pos="0">
+              <a:schemeClr val="phClr">
+                <a:satMod val="103000"/>
+                <a:lumMod val="102000"/>
+                <a:tint val="94000"/>
+              </a:schemeClr>
+            </a:gs>
+            <a:gs pos="50000">
+              <a:schemeClr val="phClr">
+                <a:satMod val="110000"/>
+                <a:lumMod val="100000"/>
+                <a:shade val="100000"/>
+              </a:schemeClr>
+            </a:gs>
+            <a:gs pos="100000">
+              <a:schemeClr val="phClr">
+                <a:lumMod val="99000"/>
+                <a:satMod val="120000"/>
+                <a:shade val="78000"/>
+              </a:schemeClr>
+            </a:gs>
+          </a:gsLst>
+          <a:lin ang="5400000" scaled="0"/>
+        </a:gradFill>
+      </a:fillStyleLst>
+      <a:lnStyleLst>
+        <a:ln w="12700" cap="flat" cmpd="sng" algn="ctr">
+          <a:solidFill>
+            <a:schemeClr val="phClr"/>
+          </a:solidFill>
+          <a:prstDash val="solid"/>
+          <a:miter lim="800000"/>
+        </a:ln>
+        <a:ln w="19050" cap="flat" cmpd="sng" algn="ctr">
+          <a:solidFill>
+            <a:schemeClr val="phClr"/>
+          </a:solidFill>
+          <a:prstDash val="solid"/>
+          <a:miter lim="800000"/>
+        </a:ln>
+        <a:ln w="25400" cap="flat" cmpd="sng" algn="ctr">
+          <a:solidFill>
+            <a:schemeClr val="phClr"/>
+          </a:solidFill>
+          <a:prstDash val="solid"/>
+          <a:miter lim="800000"/>
+        </a:ln>
+      </a:lnStyleLst>
+      <a:effectStyleLst>
+        <a:effectStyle>
+          <a:effectLst/>
+        </a:effectStyle>
+        <a:effectStyle>
+          <a:effectLst/>
+        </a:effectStyle>
+        <a:effectStyle>
+          <a:effectLst>
+            <a:outerShdw blurRad="57150" dist="19050" dir="5400000" algn="ctr" rotWithShape="0">
+              <a:srgbClr val="000000">
+                <a:alpha val="63000"/>
+              </a:srgbClr>
+            </a:outerShdw>
+          </a:effectLst>
+        </a:effectStyle>
+      </a:effectStyleLst>
+      <a:bgFillStyleLst>
+        <a:solidFill>
+          <a:schemeClr val="phClr"/>
+        </a:solidFill>
+        <a:solidFill>
+          <a:schemeClr val="phClr">
+            <a:tint val="95000"/>
+            <a:satMod val="170000"/>
+          </a:schemeClr>
+        </a:solidFill>
+        <a:gradFill rotWithShape="1">
+          <a:gsLst>
+            <a:gs pos="0">
+              <a:schemeClr val="phClr">
+                <a:tint val="93000"/>
+                <a:satMod val="150000"/>
+                <a:shade val="98000"/>
+                <a:lumMod val="102000"/>
+              </a:schemeClr>
+            </a:gs>
+            <a:gs pos="50000">
+              <a:schemeClr val="phClr">
+                <a:tint val="98000"/>
+                <a:satMod val="130000"/>
+                <a:shade val="90000"/>
+                <a:lumMod val="103000"/>
+              </a:schemeClr>
+            </a:gs>
+            <a:gs pos="100000">
+              <a:schemeClr val="phClr">
+                <a:shade val="63000"/>
+                <a:satMod val="120000"/>
+              </a:schemeClr>
+            </a:gs>
+          </a:gsLst>
+          <a:lin ang="5400000" scaled="0"/>
+        </a:gradFill>
+      </a:bgFillStyleLst>
+    </a:fmtScheme>
+  </a:themeElements>
+  <a:objectDefaults>
+    <a:lnDef>
+      <a:spPr/>
+      <a:bodyPr/>
+      <a:lstStyle/>
+      <a:style>
+        <a:lnRef idx="2">
+          <a:schemeClr val="accent1"/>
+        </a:lnRef>
+        <a:fillRef idx="0">
+          <a:schemeClr val="accent1"/>
+        </a:fillRef>
+        <a:effectRef idx="1">
+          <a:schemeClr val="accent1"/>
+        </a:effectRef>
+        <a:fontRef idx="minor">
+          <a:schemeClr val="tx1"/>
+        </a:fontRef>
+      </a:style>
+    </a:lnDef>
+  </a:objectDefaults>
+  <a:extraClrSchemeLst/>
+  <a:extLst>
+    <a:ext uri="{05A4C25C-085E-4340-85A3-A5531E510DB2}">
+      <thm15:themeFamily xmlns:thm15="http://schemas.microsoft.com/office/thememl/2012/main" name="Office Theme" id="{2E142A2C-CD16-42D6-873A-C26D2A0506FA}" vid="{1BDDFF52-6CD6-40A5-AB3C-68EB2F1E4D0A}"/>
+    </a:ext>
+  </a:extLst>
+</a:theme>
+</file>
+
 <file path=ppt/webextensions/taskpanes.xml><?xml version="1.0" encoding="utf-8"?>
 <wetp:taskpanes xmlns:wetp="http://schemas.microsoft.com/office/webextensions/taskpanes/2010/11">
   <wetp:taskpane dockstate="right" visibility="0" width="350" row="0">
